--- a/ppt 16-9/0376.归家吧.pptx
+++ b/ppt 16-9/0376.归家吧.pptx
@@ -5,7 +5,7 @@
     <p:sldMasterId id="2147483648" r:id="rId1"/>
   </p:sldMasterIdLst>
   <p:sldIdLst>
-    <p:sldId id="3292" r:id="rId2"/>
+    <p:sldId id="3293" r:id="rId2"/>
   </p:sldIdLst>
   <p:sldSz cx="12192000" cy="6858000"/>
   <p:notesSz cx="6858000" cy="9144000"/>
@@ -129,7 +129,7 @@
           <p:cNvPr id="2" name="标题 1">
             <a:extLst>
               <a:ext uri="{FF2B5EF4-FFF2-40B4-BE49-F238E27FC236}">
-                <a16:creationId xmlns:a16="http://schemas.microsoft.com/office/drawing/2014/main" id="{ED7D641B-22D8-64EA-990E-60DF4C2B5FDC}"/>
+                <a16:creationId xmlns:a16="http://schemas.microsoft.com/office/drawing/2014/main" id="{430CDB0F-9586-8BC5-20AA-09ECBD4E66B6}"/>
               </a:ext>
             </a:extLst>
           </p:cNvPr>
@@ -166,7 +166,7 @@
           <p:cNvPr id="3" name="副标题 2">
             <a:extLst>
               <a:ext uri="{FF2B5EF4-FFF2-40B4-BE49-F238E27FC236}">
-                <a16:creationId xmlns:a16="http://schemas.microsoft.com/office/drawing/2014/main" id="{2AF94304-F7CD-EB3C-A572-56AEB984D45A}"/>
+                <a16:creationId xmlns:a16="http://schemas.microsoft.com/office/drawing/2014/main" id="{D6B05301-4C9E-FE04-8A10-BE99847AB72B}"/>
               </a:ext>
             </a:extLst>
           </p:cNvPr>
@@ -236,7 +236,7 @@
           <p:cNvPr id="4" name="日期占位符 3">
             <a:extLst>
               <a:ext uri="{FF2B5EF4-FFF2-40B4-BE49-F238E27FC236}">
-                <a16:creationId xmlns:a16="http://schemas.microsoft.com/office/drawing/2014/main" id="{516068D6-963C-5120-6884-B5FBD6161EF4}"/>
+                <a16:creationId xmlns:a16="http://schemas.microsoft.com/office/drawing/2014/main" id="{1A237F86-FFBD-18FB-D2D7-6607671773B3}"/>
               </a:ext>
             </a:extLst>
           </p:cNvPr>
@@ -252,7 +252,7 @@
           <a:bodyPr/>
           <a:lstStyle/>
           <a:p>
-            <a:fld id="{13999D74-9059-4CE0-BFB8-D7486B62A479}" type="datetimeFigureOut">
+            <a:fld id="{CF86BD2A-5CFA-494A-8C5E-89E0A6475668}" type="datetimeFigureOut">
               <a:rPr lang="zh-CN" altLang="en-US" smtClean="0"/>
               <a:t>2024/3/10</a:t>
             </a:fld>
@@ -265,7 +265,7 @@
           <p:cNvPr id="5" name="页脚占位符 4">
             <a:extLst>
               <a:ext uri="{FF2B5EF4-FFF2-40B4-BE49-F238E27FC236}">
-                <a16:creationId xmlns:a16="http://schemas.microsoft.com/office/drawing/2014/main" id="{E7BF5870-AF4F-D349-A8F6-3188F5D962AE}"/>
+                <a16:creationId xmlns:a16="http://schemas.microsoft.com/office/drawing/2014/main" id="{E57109DB-8B0D-6854-67F2-845ED4E9D546}"/>
               </a:ext>
             </a:extLst>
           </p:cNvPr>
@@ -290,7 +290,7 @@
           <p:cNvPr id="6" name="灯片编号占位符 5">
             <a:extLst>
               <a:ext uri="{FF2B5EF4-FFF2-40B4-BE49-F238E27FC236}">
-                <a16:creationId xmlns:a16="http://schemas.microsoft.com/office/drawing/2014/main" id="{33C77800-241B-DB84-AF17-8A5F2064970C}"/>
+                <a16:creationId xmlns:a16="http://schemas.microsoft.com/office/drawing/2014/main" id="{3581DAF6-1822-2643-1515-84813AD42CD2}"/>
               </a:ext>
             </a:extLst>
           </p:cNvPr>
@@ -306,7 +306,7 @@
           <a:bodyPr/>
           <a:lstStyle/>
           <a:p>
-            <a:fld id="{2B67071B-1D65-402C-84F5-7F41F6E2DB62}" type="slidenum">
+            <a:fld id="{56AB19F7-729E-4295-923E-C2E42FDC30E8}" type="slidenum">
               <a:rPr lang="zh-CN" altLang="en-US" smtClean="0"/>
               <a:t>‹#›</a:t>
             </a:fld>
@@ -317,7 +317,7 @@
     </p:spTree>
     <p:extLst>
       <p:ext uri="{BB962C8B-B14F-4D97-AF65-F5344CB8AC3E}">
-        <p14:creationId xmlns:p14="http://schemas.microsoft.com/office/powerpoint/2010/main" val="3691946825"/>
+        <p14:creationId xmlns:p14="http://schemas.microsoft.com/office/powerpoint/2010/main" val="845585711"/>
       </p:ext>
     </p:extLst>
   </p:cSld>
@@ -349,7 +349,7 @@
           <p:cNvPr id="2" name="标题 1">
             <a:extLst>
               <a:ext uri="{FF2B5EF4-FFF2-40B4-BE49-F238E27FC236}">
-                <a16:creationId xmlns:a16="http://schemas.microsoft.com/office/drawing/2014/main" id="{3FE027BB-A069-D857-E1A4-5096EB4D5010}"/>
+                <a16:creationId xmlns:a16="http://schemas.microsoft.com/office/drawing/2014/main" id="{86059A5A-DBF4-748B-5C30-67827155AF35}"/>
               </a:ext>
             </a:extLst>
           </p:cNvPr>
@@ -377,7 +377,7 @@
           <p:cNvPr id="3" name="竖排文字占位符 2">
             <a:extLst>
               <a:ext uri="{FF2B5EF4-FFF2-40B4-BE49-F238E27FC236}">
-                <a16:creationId xmlns:a16="http://schemas.microsoft.com/office/drawing/2014/main" id="{A1220002-345D-E970-88DE-EBFFA2468219}"/>
+                <a16:creationId xmlns:a16="http://schemas.microsoft.com/office/drawing/2014/main" id="{CFA72252-97EF-DC5E-0B6B-6D80BF92717C}"/>
               </a:ext>
             </a:extLst>
           </p:cNvPr>
@@ -434,7 +434,7 @@
           <p:cNvPr id="4" name="日期占位符 3">
             <a:extLst>
               <a:ext uri="{FF2B5EF4-FFF2-40B4-BE49-F238E27FC236}">
-                <a16:creationId xmlns:a16="http://schemas.microsoft.com/office/drawing/2014/main" id="{256731DC-B29A-BD83-3BEF-75B614D0BE2C}"/>
+                <a16:creationId xmlns:a16="http://schemas.microsoft.com/office/drawing/2014/main" id="{E1F4EDC5-157F-569D-22A7-8791823600D2}"/>
               </a:ext>
             </a:extLst>
           </p:cNvPr>
@@ -450,7 +450,7 @@
           <a:bodyPr/>
           <a:lstStyle/>
           <a:p>
-            <a:fld id="{13999D74-9059-4CE0-BFB8-D7486B62A479}" type="datetimeFigureOut">
+            <a:fld id="{CF86BD2A-5CFA-494A-8C5E-89E0A6475668}" type="datetimeFigureOut">
               <a:rPr lang="zh-CN" altLang="en-US" smtClean="0"/>
               <a:t>2024/3/10</a:t>
             </a:fld>
@@ -463,7 +463,7 @@
           <p:cNvPr id="5" name="页脚占位符 4">
             <a:extLst>
               <a:ext uri="{FF2B5EF4-FFF2-40B4-BE49-F238E27FC236}">
-                <a16:creationId xmlns:a16="http://schemas.microsoft.com/office/drawing/2014/main" id="{B51BB875-0D8C-E78F-CD22-B32155D2B0A5}"/>
+                <a16:creationId xmlns:a16="http://schemas.microsoft.com/office/drawing/2014/main" id="{DB5665E9-2662-2013-FEE7-B64FD8E1FB70}"/>
               </a:ext>
             </a:extLst>
           </p:cNvPr>
@@ -488,7 +488,7 @@
           <p:cNvPr id="6" name="灯片编号占位符 5">
             <a:extLst>
               <a:ext uri="{FF2B5EF4-FFF2-40B4-BE49-F238E27FC236}">
-                <a16:creationId xmlns:a16="http://schemas.microsoft.com/office/drawing/2014/main" id="{9E129337-7394-C022-3954-4A5F7374F87B}"/>
+                <a16:creationId xmlns:a16="http://schemas.microsoft.com/office/drawing/2014/main" id="{3F9D301F-AC28-AECE-D3FF-4D9260C6919A}"/>
               </a:ext>
             </a:extLst>
           </p:cNvPr>
@@ -504,7 +504,7 @@
           <a:bodyPr/>
           <a:lstStyle/>
           <a:p>
-            <a:fld id="{2B67071B-1D65-402C-84F5-7F41F6E2DB62}" type="slidenum">
+            <a:fld id="{56AB19F7-729E-4295-923E-C2E42FDC30E8}" type="slidenum">
               <a:rPr lang="zh-CN" altLang="en-US" smtClean="0"/>
               <a:t>‹#›</a:t>
             </a:fld>
@@ -515,7 +515,7 @@
     </p:spTree>
     <p:extLst>
       <p:ext uri="{BB962C8B-B14F-4D97-AF65-F5344CB8AC3E}">
-        <p14:creationId xmlns:p14="http://schemas.microsoft.com/office/powerpoint/2010/main" val="2969918722"/>
+        <p14:creationId xmlns:p14="http://schemas.microsoft.com/office/powerpoint/2010/main" val="1271745088"/>
       </p:ext>
     </p:extLst>
   </p:cSld>
@@ -547,7 +547,7 @@
           <p:cNvPr id="2" name="竖排标题 1">
             <a:extLst>
               <a:ext uri="{FF2B5EF4-FFF2-40B4-BE49-F238E27FC236}">
-                <a16:creationId xmlns:a16="http://schemas.microsoft.com/office/drawing/2014/main" id="{45E33624-7293-94FB-0AC9-C35CA012DA77}"/>
+                <a16:creationId xmlns:a16="http://schemas.microsoft.com/office/drawing/2014/main" id="{CA2776EE-2B27-810B-9004-8956E9FABED4}"/>
               </a:ext>
             </a:extLst>
           </p:cNvPr>
@@ -580,7 +580,7 @@
           <p:cNvPr id="3" name="竖排文字占位符 2">
             <a:extLst>
               <a:ext uri="{FF2B5EF4-FFF2-40B4-BE49-F238E27FC236}">
-                <a16:creationId xmlns:a16="http://schemas.microsoft.com/office/drawing/2014/main" id="{2717A299-54E1-87FD-7B62-D19B17373336}"/>
+                <a16:creationId xmlns:a16="http://schemas.microsoft.com/office/drawing/2014/main" id="{C73251BD-0D83-3D19-C04E-3FBC9A80C5C3}"/>
               </a:ext>
             </a:extLst>
           </p:cNvPr>
@@ -642,7 +642,7 @@
           <p:cNvPr id="4" name="日期占位符 3">
             <a:extLst>
               <a:ext uri="{FF2B5EF4-FFF2-40B4-BE49-F238E27FC236}">
-                <a16:creationId xmlns:a16="http://schemas.microsoft.com/office/drawing/2014/main" id="{5D5802DA-46D2-244A-54DC-19ED598609DE}"/>
+                <a16:creationId xmlns:a16="http://schemas.microsoft.com/office/drawing/2014/main" id="{D7E41C49-431F-0E1D-CE84-40FAAB0AE256}"/>
               </a:ext>
             </a:extLst>
           </p:cNvPr>
@@ -658,7 +658,7 @@
           <a:bodyPr/>
           <a:lstStyle/>
           <a:p>
-            <a:fld id="{13999D74-9059-4CE0-BFB8-D7486B62A479}" type="datetimeFigureOut">
+            <a:fld id="{CF86BD2A-5CFA-494A-8C5E-89E0A6475668}" type="datetimeFigureOut">
               <a:rPr lang="zh-CN" altLang="en-US" smtClean="0"/>
               <a:t>2024/3/10</a:t>
             </a:fld>
@@ -671,7 +671,7 @@
           <p:cNvPr id="5" name="页脚占位符 4">
             <a:extLst>
               <a:ext uri="{FF2B5EF4-FFF2-40B4-BE49-F238E27FC236}">
-                <a16:creationId xmlns:a16="http://schemas.microsoft.com/office/drawing/2014/main" id="{CA97A6FF-B0D4-F332-F0C2-3F5CD77A9424}"/>
+                <a16:creationId xmlns:a16="http://schemas.microsoft.com/office/drawing/2014/main" id="{E8596C77-442C-DDFA-28DB-C36A580FD991}"/>
               </a:ext>
             </a:extLst>
           </p:cNvPr>
@@ -696,7 +696,7 @@
           <p:cNvPr id="6" name="灯片编号占位符 5">
             <a:extLst>
               <a:ext uri="{FF2B5EF4-FFF2-40B4-BE49-F238E27FC236}">
-                <a16:creationId xmlns:a16="http://schemas.microsoft.com/office/drawing/2014/main" id="{EA2B9556-7BF8-DA64-DBC9-B067FAAEA7EB}"/>
+                <a16:creationId xmlns:a16="http://schemas.microsoft.com/office/drawing/2014/main" id="{FC3EE915-0810-1243-E3F5-CB56F0515E1D}"/>
               </a:ext>
             </a:extLst>
           </p:cNvPr>
@@ -712,7 +712,7 @@
           <a:bodyPr/>
           <a:lstStyle/>
           <a:p>
-            <a:fld id="{2B67071B-1D65-402C-84F5-7F41F6E2DB62}" type="slidenum">
+            <a:fld id="{56AB19F7-729E-4295-923E-C2E42FDC30E8}" type="slidenum">
               <a:rPr lang="zh-CN" altLang="en-US" smtClean="0"/>
               <a:t>‹#›</a:t>
             </a:fld>
@@ -723,7 +723,7 @@
     </p:spTree>
     <p:extLst>
       <p:ext uri="{BB962C8B-B14F-4D97-AF65-F5344CB8AC3E}">
-        <p14:creationId xmlns:p14="http://schemas.microsoft.com/office/powerpoint/2010/main" val="2068033130"/>
+        <p14:creationId xmlns:p14="http://schemas.microsoft.com/office/powerpoint/2010/main" val="4081609145"/>
       </p:ext>
     </p:extLst>
   </p:cSld>
@@ -755,7 +755,7 @@
           <p:cNvPr id="2" name="标题 1">
             <a:extLst>
               <a:ext uri="{FF2B5EF4-FFF2-40B4-BE49-F238E27FC236}">
-                <a16:creationId xmlns:a16="http://schemas.microsoft.com/office/drawing/2014/main" id="{C160123F-64B9-DA50-2151-AC2E5717F5C0}"/>
+                <a16:creationId xmlns:a16="http://schemas.microsoft.com/office/drawing/2014/main" id="{E906EB08-31BA-388F-F7D9-C15B4E1C968D}"/>
               </a:ext>
             </a:extLst>
           </p:cNvPr>
@@ -783,7 +783,7 @@
           <p:cNvPr id="3" name="内容占位符 2">
             <a:extLst>
               <a:ext uri="{FF2B5EF4-FFF2-40B4-BE49-F238E27FC236}">
-                <a16:creationId xmlns:a16="http://schemas.microsoft.com/office/drawing/2014/main" id="{AF0BA34C-2633-FE90-D4C4-93FC4B80FD3A}"/>
+                <a16:creationId xmlns:a16="http://schemas.microsoft.com/office/drawing/2014/main" id="{62BAB2E1-FE5A-8B77-9030-3C7084F186FE}"/>
               </a:ext>
             </a:extLst>
           </p:cNvPr>
@@ -840,7 +840,7 @@
           <p:cNvPr id="4" name="日期占位符 3">
             <a:extLst>
               <a:ext uri="{FF2B5EF4-FFF2-40B4-BE49-F238E27FC236}">
-                <a16:creationId xmlns:a16="http://schemas.microsoft.com/office/drawing/2014/main" id="{B40E6B43-5756-419B-C3B0-E7C2E32AF236}"/>
+                <a16:creationId xmlns:a16="http://schemas.microsoft.com/office/drawing/2014/main" id="{B10AD0B9-F540-9E4A-4F2E-7B23F6ADB118}"/>
               </a:ext>
             </a:extLst>
           </p:cNvPr>
@@ -856,7 +856,7 @@
           <a:bodyPr/>
           <a:lstStyle/>
           <a:p>
-            <a:fld id="{13999D74-9059-4CE0-BFB8-D7486B62A479}" type="datetimeFigureOut">
+            <a:fld id="{CF86BD2A-5CFA-494A-8C5E-89E0A6475668}" type="datetimeFigureOut">
               <a:rPr lang="zh-CN" altLang="en-US" smtClean="0"/>
               <a:t>2024/3/10</a:t>
             </a:fld>
@@ -869,7 +869,7 @@
           <p:cNvPr id="5" name="页脚占位符 4">
             <a:extLst>
               <a:ext uri="{FF2B5EF4-FFF2-40B4-BE49-F238E27FC236}">
-                <a16:creationId xmlns:a16="http://schemas.microsoft.com/office/drawing/2014/main" id="{C5CFEE40-1519-8577-663D-DCC4DDCBEA68}"/>
+                <a16:creationId xmlns:a16="http://schemas.microsoft.com/office/drawing/2014/main" id="{15F94E35-9927-7BCD-A82A-14D875713E2B}"/>
               </a:ext>
             </a:extLst>
           </p:cNvPr>
@@ -894,7 +894,7 @@
           <p:cNvPr id="6" name="灯片编号占位符 5">
             <a:extLst>
               <a:ext uri="{FF2B5EF4-FFF2-40B4-BE49-F238E27FC236}">
-                <a16:creationId xmlns:a16="http://schemas.microsoft.com/office/drawing/2014/main" id="{17F7B74F-528A-9704-C6DC-90F2E9F94798}"/>
+                <a16:creationId xmlns:a16="http://schemas.microsoft.com/office/drawing/2014/main" id="{33F359FC-AA9D-29A5-D148-910AECE78B67}"/>
               </a:ext>
             </a:extLst>
           </p:cNvPr>
@@ -910,7 +910,7 @@
           <a:bodyPr/>
           <a:lstStyle/>
           <a:p>
-            <a:fld id="{2B67071B-1D65-402C-84F5-7F41F6E2DB62}" type="slidenum">
+            <a:fld id="{56AB19F7-729E-4295-923E-C2E42FDC30E8}" type="slidenum">
               <a:rPr lang="zh-CN" altLang="en-US" smtClean="0"/>
               <a:t>‹#›</a:t>
             </a:fld>
@@ -921,7 +921,7 @@
     </p:spTree>
     <p:extLst>
       <p:ext uri="{BB962C8B-B14F-4D97-AF65-F5344CB8AC3E}">
-        <p14:creationId xmlns:p14="http://schemas.microsoft.com/office/powerpoint/2010/main" val="1186166391"/>
+        <p14:creationId xmlns:p14="http://schemas.microsoft.com/office/powerpoint/2010/main" val="1988834216"/>
       </p:ext>
     </p:extLst>
   </p:cSld>
@@ -953,7 +953,7 @@
           <p:cNvPr id="2" name="标题 1">
             <a:extLst>
               <a:ext uri="{FF2B5EF4-FFF2-40B4-BE49-F238E27FC236}">
-                <a16:creationId xmlns:a16="http://schemas.microsoft.com/office/drawing/2014/main" id="{30CC8724-A91E-36AD-C0AF-1B603A07ECAE}"/>
+                <a16:creationId xmlns:a16="http://schemas.microsoft.com/office/drawing/2014/main" id="{E1D31C42-2F3C-A091-73F0-6F9CE3D8B302}"/>
               </a:ext>
             </a:extLst>
           </p:cNvPr>
@@ -990,7 +990,7 @@
           <p:cNvPr id="3" name="文本占位符 2">
             <a:extLst>
               <a:ext uri="{FF2B5EF4-FFF2-40B4-BE49-F238E27FC236}">
-                <a16:creationId xmlns:a16="http://schemas.microsoft.com/office/drawing/2014/main" id="{ADA25EED-BB4A-AB67-56F7-F68801953670}"/>
+                <a16:creationId xmlns:a16="http://schemas.microsoft.com/office/drawing/2014/main" id="{121A008E-F014-885B-7160-16020FC10F8D}"/>
               </a:ext>
             </a:extLst>
           </p:cNvPr>
@@ -1115,7 +1115,7 @@
           <p:cNvPr id="4" name="日期占位符 3">
             <a:extLst>
               <a:ext uri="{FF2B5EF4-FFF2-40B4-BE49-F238E27FC236}">
-                <a16:creationId xmlns:a16="http://schemas.microsoft.com/office/drawing/2014/main" id="{C0EA0D5C-187C-FCD9-927E-7044E8C14489}"/>
+                <a16:creationId xmlns:a16="http://schemas.microsoft.com/office/drawing/2014/main" id="{5BD1614D-8F1B-098D-85FF-D548C8D5808F}"/>
               </a:ext>
             </a:extLst>
           </p:cNvPr>
@@ -1131,7 +1131,7 @@
           <a:bodyPr/>
           <a:lstStyle/>
           <a:p>
-            <a:fld id="{13999D74-9059-4CE0-BFB8-D7486B62A479}" type="datetimeFigureOut">
+            <a:fld id="{CF86BD2A-5CFA-494A-8C5E-89E0A6475668}" type="datetimeFigureOut">
               <a:rPr lang="zh-CN" altLang="en-US" smtClean="0"/>
               <a:t>2024/3/10</a:t>
             </a:fld>
@@ -1144,7 +1144,7 @@
           <p:cNvPr id="5" name="页脚占位符 4">
             <a:extLst>
               <a:ext uri="{FF2B5EF4-FFF2-40B4-BE49-F238E27FC236}">
-                <a16:creationId xmlns:a16="http://schemas.microsoft.com/office/drawing/2014/main" id="{4538EF74-9727-3AD0-F266-00BC913D6AAD}"/>
+                <a16:creationId xmlns:a16="http://schemas.microsoft.com/office/drawing/2014/main" id="{A24B4B0E-C365-1463-A0BD-3FB350EBF474}"/>
               </a:ext>
             </a:extLst>
           </p:cNvPr>
@@ -1169,7 +1169,7 @@
           <p:cNvPr id="6" name="灯片编号占位符 5">
             <a:extLst>
               <a:ext uri="{FF2B5EF4-FFF2-40B4-BE49-F238E27FC236}">
-                <a16:creationId xmlns:a16="http://schemas.microsoft.com/office/drawing/2014/main" id="{38AB2C36-52B4-2054-1275-D56FECB341B2}"/>
+                <a16:creationId xmlns:a16="http://schemas.microsoft.com/office/drawing/2014/main" id="{7C0A2E8A-478E-2CE0-1E6F-A0C17C717F75}"/>
               </a:ext>
             </a:extLst>
           </p:cNvPr>
@@ -1185,7 +1185,7 @@
           <a:bodyPr/>
           <a:lstStyle/>
           <a:p>
-            <a:fld id="{2B67071B-1D65-402C-84F5-7F41F6E2DB62}" type="slidenum">
+            <a:fld id="{56AB19F7-729E-4295-923E-C2E42FDC30E8}" type="slidenum">
               <a:rPr lang="zh-CN" altLang="en-US" smtClean="0"/>
               <a:t>‹#›</a:t>
             </a:fld>
@@ -1196,7 +1196,7 @@
     </p:spTree>
     <p:extLst>
       <p:ext uri="{BB962C8B-B14F-4D97-AF65-F5344CB8AC3E}">
-        <p14:creationId xmlns:p14="http://schemas.microsoft.com/office/powerpoint/2010/main" val="2178619379"/>
+        <p14:creationId xmlns:p14="http://schemas.microsoft.com/office/powerpoint/2010/main" val="1530644933"/>
       </p:ext>
     </p:extLst>
   </p:cSld>
@@ -1228,7 +1228,7 @@
           <p:cNvPr id="2" name="标题 1">
             <a:extLst>
               <a:ext uri="{FF2B5EF4-FFF2-40B4-BE49-F238E27FC236}">
-                <a16:creationId xmlns:a16="http://schemas.microsoft.com/office/drawing/2014/main" id="{57BE8B70-5E86-D428-88C1-306ED3562488}"/>
+                <a16:creationId xmlns:a16="http://schemas.microsoft.com/office/drawing/2014/main" id="{8FBE18FC-A4E8-8A06-5E46-3BFBD34E1638}"/>
               </a:ext>
             </a:extLst>
           </p:cNvPr>
@@ -1256,7 +1256,7 @@
           <p:cNvPr id="3" name="内容占位符 2">
             <a:extLst>
               <a:ext uri="{FF2B5EF4-FFF2-40B4-BE49-F238E27FC236}">
-                <a16:creationId xmlns:a16="http://schemas.microsoft.com/office/drawing/2014/main" id="{CF283C3F-DCF1-4BF8-5B64-9C735F991C1E}"/>
+                <a16:creationId xmlns:a16="http://schemas.microsoft.com/office/drawing/2014/main" id="{E65AB450-599F-DC83-E689-6991BCCDC25E}"/>
               </a:ext>
             </a:extLst>
           </p:cNvPr>
@@ -1318,7 +1318,7 @@
           <p:cNvPr id="4" name="内容占位符 3">
             <a:extLst>
               <a:ext uri="{FF2B5EF4-FFF2-40B4-BE49-F238E27FC236}">
-                <a16:creationId xmlns:a16="http://schemas.microsoft.com/office/drawing/2014/main" id="{A0DDF6B3-82AB-2F9E-3D2F-CA8E6A6419B6}"/>
+                <a16:creationId xmlns:a16="http://schemas.microsoft.com/office/drawing/2014/main" id="{622D11E1-19C1-CC08-929B-B8BF228CF5BA}"/>
               </a:ext>
             </a:extLst>
           </p:cNvPr>
@@ -1380,7 +1380,7 @@
           <p:cNvPr id="5" name="日期占位符 4">
             <a:extLst>
               <a:ext uri="{FF2B5EF4-FFF2-40B4-BE49-F238E27FC236}">
-                <a16:creationId xmlns:a16="http://schemas.microsoft.com/office/drawing/2014/main" id="{D2CDBA41-572E-C809-117B-ACE96462541E}"/>
+                <a16:creationId xmlns:a16="http://schemas.microsoft.com/office/drawing/2014/main" id="{AD0F600C-2F5E-7494-9705-A94AC1DD17AB}"/>
               </a:ext>
             </a:extLst>
           </p:cNvPr>
@@ -1396,7 +1396,7 @@
           <a:bodyPr/>
           <a:lstStyle/>
           <a:p>
-            <a:fld id="{13999D74-9059-4CE0-BFB8-D7486B62A479}" type="datetimeFigureOut">
+            <a:fld id="{CF86BD2A-5CFA-494A-8C5E-89E0A6475668}" type="datetimeFigureOut">
               <a:rPr lang="zh-CN" altLang="en-US" smtClean="0"/>
               <a:t>2024/3/10</a:t>
             </a:fld>
@@ -1409,7 +1409,7 @@
           <p:cNvPr id="6" name="页脚占位符 5">
             <a:extLst>
               <a:ext uri="{FF2B5EF4-FFF2-40B4-BE49-F238E27FC236}">
-                <a16:creationId xmlns:a16="http://schemas.microsoft.com/office/drawing/2014/main" id="{8F1D67ED-763A-CEA5-95F7-71EC8F9C1543}"/>
+                <a16:creationId xmlns:a16="http://schemas.microsoft.com/office/drawing/2014/main" id="{970DCE8D-D806-AA62-9DB9-B20E468180D3}"/>
               </a:ext>
             </a:extLst>
           </p:cNvPr>
@@ -1434,7 +1434,7 @@
           <p:cNvPr id="7" name="灯片编号占位符 6">
             <a:extLst>
               <a:ext uri="{FF2B5EF4-FFF2-40B4-BE49-F238E27FC236}">
-                <a16:creationId xmlns:a16="http://schemas.microsoft.com/office/drawing/2014/main" id="{19214A97-DBBC-EC11-2303-2F55FA583C51}"/>
+                <a16:creationId xmlns:a16="http://schemas.microsoft.com/office/drawing/2014/main" id="{0D4F0A8E-CEB8-E352-161E-8899179E8346}"/>
               </a:ext>
             </a:extLst>
           </p:cNvPr>
@@ -1450,7 +1450,7 @@
           <a:bodyPr/>
           <a:lstStyle/>
           <a:p>
-            <a:fld id="{2B67071B-1D65-402C-84F5-7F41F6E2DB62}" type="slidenum">
+            <a:fld id="{56AB19F7-729E-4295-923E-C2E42FDC30E8}" type="slidenum">
               <a:rPr lang="zh-CN" altLang="en-US" smtClean="0"/>
               <a:t>‹#›</a:t>
             </a:fld>
@@ -1461,7 +1461,7 @@
     </p:spTree>
     <p:extLst>
       <p:ext uri="{BB962C8B-B14F-4D97-AF65-F5344CB8AC3E}">
-        <p14:creationId xmlns:p14="http://schemas.microsoft.com/office/powerpoint/2010/main" val="3288734778"/>
+        <p14:creationId xmlns:p14="http://schemas.microsoft.com/office/powerpoint/2010/main" val="1075459852"/>
       </p:ext>
     </p:extLst>
   </p:cSld>
@@ -1493,7 +1493,7 @@
           <p:cNvPr id="2" name="标题 1">
             <a:extLst>
               <a:ext uri="{FF2B5EF4-FFF2-40B4-BE49-F238E27FC236}">
-                <a16:creationId xmlns:a16="http://schemas.microsoft.com/office/drawing/2014/main" id="{BCAE4E1B-3AD0-0EBA-7E74-ED64864CE2F1}"/>
+                <a16:creationId xmlns:a16="http://schemas.microsoft.com/office/drawing/2014/main" id="{28F302E8-5975-7E61-AC4C-D40363305EBB}"/>
               </a:ext>
             </a:extLst>
           </p:cNvPr>
@@ -1526,7 +1526,7 @@
           <p:cNvPr id="3" name="文本占位符 2">
             <a:extLst>
               <a:ext uri="{FF2B5EF4-FFF2-40B4-BE49-F238E27FC236}">
-                <a16:creationId xmlns:a16="http://schemas.microsoft.com/office/drawing/2014/main" id="{EA21B34A-33AB-3F2A-89B4-E88FB5C73E78}"/>
+                <a16:creationId xmlns:a16="http://schemas.microsoft.com/office/drawing/2014/main" id="{2748A022-67E3-AD65-05BD-B55EC1E1A1E0}"/>
               </a:ext>
             </a:extLst>
           </p:cNvPr>
@@ -1597,7 +1597,7 @@
           <p:cNvPr id="4" name="内容占位符 3">
             <a:extLst>
               <a:ext uri="{FF2B5EF4-FFF2-40B4-BE49-F238E27FC236}">
-                <a16:creationId xmlns:a16="http://schemas.microsoft.com/office/drawing/2014/main" id="{C24268CD-B51D-43B1-7546-BA90AE5D95CC}"/>
+                <a16:creationId xmlns:a16="http://schemas.microsoft.com/office/drawing/2014/main" id="{6C7997CE-5867-FB95-C9FA-302BCF30C07C}"/>
               </a:ext>
             </a:extLst>
           </p:cNvPr>
@@ -1659,7 +1659,7 @@
           <p:cNvPr id="5" name="文本占位符 4">
             <a:extLst>
               <a:ext uri="{FF2B5EF4-FFF2-40B4-BE49-F238E27FC236}">
-                <a16:creationId xmlns:a16="http://schemas.microsoft.com/office/drawing/2014/main" id="{2E4F49BC-7D2B-F4F7-EB1D-0FF8C631A06E}"/>
+                <a16:creationId xmlns:a16="http://schemas.microsoft.com/office/drawing/2014/main" id="{43901E45-1F77-AF9B-AE4C-B31ED616634D}"/>
               </a:ext>
             </a:extLst>
           </p:cNvPr>
@@ -1730,7 +1730,7 @@
           <p:cNvPr id="6" name="内容占位符 5">
             <a:extLst>
               <a:ext uri="{FF2B5EF4-FFF2-40B4-BE49-F238E27FC236}">
-                <a16:creationId xmlns:a16="http://schemas.microsoft.com/office/drawing/2014/main" id="{F5D6C579-04D5-80E0-D4AF-9F34126F477C}"/>
+                <a16:creationId xmlns:a16="http://schemas.microsoft.com/office/drawing/2014/main" id="{998E3977-1DF1-9DDA-6581-013E1BE89CD4}"/>
               </a:ext>
             </a:extLst>
           </p:cNvPr>
@@ -1792,7 +1792,7 @@
           <p:cNvPr id="7" name="日期占位符 6">
             <a:extLst>
               <a:ext uri="{FF2B5EF4-FFF2-40B4-BE49-F238E27FC236}">
-                <a16:creationId xmlns:a16="http://schemas.microsoft.com/office/drawing/2014/main" id="{DB084C50-1A47-F4E5-B706-FF12846ABCE4}"/>
+                <a16:creationId xmlns:a16="http://schemas.microsoft.com/office/drawing/2014/main" id="{4C969E4D-8124-12BB-96A8-D14812383F05}"/>
               </a:ext>
             </a:extLst>
           </p:cNvPr>
@@ -1808,7 +1808,7 @@
           <a:bodyPr/>
           <a:lstStyle/>
           <a:p>
-            <a:fld id="{13999D74-9059-4CE0-BFB8-D7486B62A479}" type="datetimeFigureOut">
+            <a:fld id="{CF86BD2A-5CFA-494A-8C5E-89E0A6475668}" type="datetimeFigureOut">
               <a:rPr lang="zh-CN" altLang="en-US" smtClean="0"/>
               <a:t>2024/3/10</a:t>
             </a:fld>
@@ -1821,7 +1821,7 @@
           <p:cNvPr id="8" name="页脚占位符 7">
             <a:extLst>
               <a:ext uri="{FF2B5EF4-FFF2-40B4-BE49-F238E27FC236}">
-                <a16:creationId xmlns:a16="http://schemas.microsoft.com/office/drawing/2014/main" id="{64C4CCB1-42DF-640B-1F6E-9ADB70D06E58}"/>
+                <a16:creationId xmlns:a16="http://schemas.microsoft.com/office/drawing/2014/main" id="{23B92882-54C6-F994-98D0-3C6C55EA749C}"/>
               </a:ext>
             </a:extLst>
           </p:cNvPr>
@@ -1846,7 +1846,7 @@
           <p:cNvPr id="9" name="灯片编号占位符 8">
             <a:extLst>
               <a:ext uri="{FF2B5EF4-FFF2-40B4-BE49-F238E27FC236}">
-                <a16:creationId xmlns:a16="http://schemas.microsoft.com/office/drawing/2014/main" id="{A9ACC01B-4A5D-AFD0-25AF-B7DEF26EFDCD}"/>
+                <a16:creationId xmlns:a16="http://schemas.microsoft.com/office/drawing/2014/main" id="{263C519D-F613-D7D1-5F24-DBA43DA95AE8}"/>
               </a:ext>
             </a:extLst>
           </p:cNvPr>
@@ -1862,7 +1862,7 @@
           <a:bodyPr/>
           <a:lstStyle/>
           <a:p>
-            <a:fld id="{2B67071B-1D65-402C-84F5-7F41F6E2DB62}" type="slidenum">
+            <a:fld id="{56AB19F7-729E-4295-923E-C2E42FDC30E8}" type="slidenum">
               <a:rPr lang="zh-CN" altLang="en-US" smtClean="0"/>
               <a:t>‹#›</a:t>
             </a:fld>
@@ -1873,7 +1873,7 @@
     </p:spTree>
     <p:extLst>
       <p:ext uri="{BB962C8B-B14F-4D97-AF65-F5344CB8AC3E}">
-        <p14:creationId xmlns:p14="http://schemas.microsoft.com/office/powerpoint/2010/main" val="2918336224"/>
+        <p14:creationId xmlns:p14="http://schemas.microsoft.com/office/powerpoint/2010/main" val="1516236805"/>
       </p:ext>
     </p:extLst>
   </p:cSld>
@@ -1905,7 +1905,7 @@
           <p:cNvPr id="2" name="标题 1">
             <a:extLst>
               <a:ext uri="{FF2B5EF4-FFF2-40B4-BE49-F238E27FC236}">
-                <a16:creationId xmlns:a16="http://schemas.microsoft.com/office/drawing/2014/main" id="{83CE8468-889E-85C5-78C4-20E18AD7777D}"/>
+                <a16:creationId xmlns:a16="http://schemas.microsoft.com/office/drawing/2014/main" id="{354C84B1-DC03-EB82-91FC-B93874DB9AFA}"/>
               </a:ext>
             </a:extLst>
           </p:cNvPr>
@@ -1933,7 +1933,7 @@
           <p:cNvPr id="3" name="日期占位符 2">
             <a:extLst>
               <a:ext uri="{FF2B5EF4-FFF2-40B4-BE49-F238E27FC236}">
-                <a16:creationId xmlns:a16="http://schemas.microsoft.com/office/drawing/2014/main" id="{2C1C71F6-BDA6-75BA-330A-D6F3FC564510}"/>
+                <a16:creationId xmlns:a16="http://schemas.microsoft.com/office/drawing/2014/main" id="{1BC3BE02-4253-0912-FA9C-2059B7F6224E}"/>
               </a:ext>
             </a:extLst>
           </p:cNvPr>
@@ -1949,7 +1949,7 @@
           <a:bodyPr/>
           <a:lstStyle/>
           <a:p>
-            <a:fld id="{13999D74-9059-4CE0-BFB8-D7486B62A479}" type="datetimeFigureOut">
+            <a:fld id="{CF86BD2A-5CFA-494A-8C5E-89E0A6475668}" type="datetimeFigureOut">
               <a:rPr lang="zh-CN" altLang="en-US" smtClean="0"/>
               <a:t>2024/3/10</a:t>
             </a:fld>
@@ -1962,7 +1962,7 @@
           <p:cNvPr id="4" name="页脚占位符 3">
             <a:extLst>
               <a:ext uri="{FF2B5EF4-FFF2-40B4-BE49-F238E27FC236}">
-                <a16:creationId xmlns:a16="http://schemas.microsoft.com/office/drawing/2014/main" id="{724D6738-4EED-CC2A-5C15-62C4F13A11D8}"/>
+                <a16:creationId xmlns:a16="http://schemas.microsoft.com/office/drawing/2014/main" id="{423298DA-48D5-39DD-39AB-697DC9EEFFA4}"/>
               </a:ext>
             </a:extLst>
           </p:cNvPr>
@@ -1987,7 +1987,7 @@
           <p:cNvPr id="5" name="灯片编号占位符 4">
             <a:extLst>
               <a:ext uri="{FF2B5EF4-FFF2-40B4-BE49-F238E27FC236}">
-                <a16:creationId xmlns:a16="http://schemas.microsoft.com/office/drawing/2014/main" id="{BF366C13-F3DD-494E-736A-22ACCA448C8E}"/>
+                <a16:creationId xmlns:a16="http://schemas.microsoft.com/office/drawing/2014/main" id="{70A36751-731B-BA1D-0AE5-60721E0382D5}"/>
               </a:ext>
             </a:extLst>
           </p:cNvPr>
@@ -2003,7 +2003,7 @@
           <a:bodyPr/>
           <a:lstStyle/>
           <a:p>
-            <a:fld id="{2B67071B-1D65-402C-84F5-7F41F6E2DB62}" type="slidenum">
+            <a:fld id="{56AB19F7-729E-4295-923E-C2E42FDC30E8}" type="slidenum">
               <a:rPr lang="zh-CN" altLang="en-US" smtClean="0"/>
               <a:t>‹#›</a:t>
             </a:fld>
@@ -2014,7 +2014,7 @@
     </p:spTree>
     <p:extLst>
       <p:ext uri="{BB962C8B-B14F-4D97-AF65-F5344CB8AC3E}">
-        <p14:creationId xmlns:p14="http://schemas.microsoft.com/office/powerpoint/2010/main" val="1322054952"/>
+        <p14:creationId xmlns:p14="http://schemas.microsoft.com/office/powerpoint/2010/main" val="2596440599"/>
       </p:ext>
     </p:extLst>
   </p:cSld>
@@ -2046,7 +2046,7 @@
           <p:cNvPr id="2" name="日期占位符 1">
             <a:extLst>
               <a:ext uri="{FF2B5EF4-FFF2-40B4-BE49-F238E27FC236}">
-                <a16:creationId xmlns:a16="http://schemas.microsoft.com/office/drawing/2014/main" id="{13654587-9C6A-4E39-E57A-D9C543B8B613}"/>
+                <a16:creationId xmlns:a16="http://schemas.microsoft.com/office/drawing/2014/main" id="{8C7F0566-F3DC-C40B-AA64-F7AC350BB783}"/>
               </a:ext>
             </a:extLst>
           </p:cNvPr>
@@ -2062,7 +2062,7 @@
           <a:bodyPr/>
           <a:lstStyle/>
           <a:p>
-            <a:fld id="{13999D74-9059-4CE0-BFB8-D7486B62A479}" type="datetimeFigureOut">
+            <a:fld id="{CF86BD2A-5CFA-494A-8C5E-89E0A6475668}" type="datetimeFigureOut">
               <a:rPr lang="zh-CN" altLang="en-US" smtClean="0"/>
               <a:t>2024/3/10</a:t>
             </a:fld>
@@ -2075,7 +2075,7 @@
           <p:cNvPr id="3" name="页脚占位符 2">
             <a:extLst>
               <a:ext uri="{FF2B5EF4-FFF2-40B4-BE49-F238E27FC236}">
-                <a16:creationId xmlns:a16="http://schemas.microsoft.com/office/drawing/2014/main" id="{9EFCA902-BC05-E1AB-8015-CB2200EB8F78}"/>
+                <a16:creationId xmlns:a16="http://schemas.microsoft.com/office/drawing/2014/main" id="{C84FA5E5-5324-68C5-225E-476338F5C07A}"/>
               </a:ext>
             </a:extLst>
           </p:cNvPr>
@@ -2100,7 +2100,7 @@
           <p:cNvPr id="4" name="灯片编号占位符 3">
             <a:extLst>
               <a:ext uri="{FF2B5EF4-FFF2-40B4-BE49-F238E27FC236}">
-                <a16:creationId xmlns:a16="http://schemas.microsoft.com/office/drawing/2014/main" id="{95E7A41D-0092-B1B3-DE57-0C4CBC5781BF}"/>
+                <a16:creationId xmlns:a16="http://schemas.microsoft.com/office/drawing/2014/main" id="{65D09C19-0D5C-B5DA-D4E5-E8C1D7923325}"/>
               </a:ext>
             </a:extLst>
           </p:cNvPr>
@@ -2116,7 +2116,7 @@
           <a:bodyPr/>
           <a:lstStyle/>
           <a:p>
-            <a:fld id="{2B67071B-1D65-402C-84F5-7F41F6E2DB62}" type="slidenum">
+            <a:fld id="{56AB19F7-729E-4295-923E-C2E42FDC30E8}" type="slidenum">
               <a:rPr lang="zh-CN" altLang="en-US" smtClean="0"/>
               <a:t>‹#›</a:t>
             </a:fld>
@@ -2127,7 +2127,7 @@
     </p:spTree>
     <p:extLst>
       <p:ext uri="{BB962C8B-B14F-4D97-AF65-F5344CB8AC3E}">
-        <p14:creationId xmlns:p14="http://schemas.microsoft.com/office/powerpoint/2010/main" val="1244653954"/>
+        <p14:creationId xmlns:p14="http://schemas.microsoft.com/office/powerpoint/2010/main" val="2425876441"/>
       </p:ext>
     </p:extLst>
   </p:cSld>
@@ -2159,7 +2159,7 @@
           <p:cNvPr id="2" name="标题 1">
             <a:extLst>
               <a:ext uri="{FF2B5EF4-FFF2-40B4-BE49-F238E27FC236}">
-                <a16:creationId xmlns:a16="http://schemas.microsoft.com/office/drawing/2014/main" id="{21F1C8FB-CF94-EFD6-F6D1-A027FBD47F78}"/>
+                <a16:creationId xmlns:a16="http://schemas.microsoft.com/office/drawing/2014/main" id="{CEF9B182-2865-880D-908C-026F10296158}"/>
               </a:ext>
             </a:extLst>
           </p:cNvPr>
@@ -2196,7 +2196,7 @@
           <p:cNvPr id="3" name="内容占位符 2">
             <a:extLst>
               <a:ext uri="{FF2B5EF4-FFF2-40B4-BE49-F238E27FC236}">
-                <a16:creationId xmlns:a16="http://schemas.microsoft.com/office/drawing/2014/main" id="{D5CF803F-C5D5-5437-CFF2-44EE70096C7E}"/>
+                <a16:creationId xmlns:a16="http://schemas.microsoft.com/office/drawing/2014/main" id="{41FE72D2-E518-2B2C-F4FF-B9EE1A0D173E}"/>
               </a:ext>
             </a:extLst>
           </p:cNvPr>
@@ -2286,7 +2286,7 @@
           <p:cNvPr id="4" name="文本占位符 3">
             <a:extLst>
               <a:ext uri="{FF2B5EF4-FFF2-40B4-BE49-F238E27FC236}">
-                <a16:creationId xmlns:a16="http://schemas.microsoft.com/office/drawing/2014/main" id="{A07D4E83-D16C-1E6E-9828-A550DD0C8602}"/>
+                <a16:creationId xmlns:a16="http://schemas.microsoft.com/office/drawing/2014/main" id="{C80975E8-DB5E-0A74-516D-6E795F4786F1}"/>
               </a:ext>
             </a:extLst>
           </p:cNvPr>
@@ -2357,7 +2357,7 @@
           <p:cNvPr id="5" name="日期占位符 4">
             <a:extLst>
               <a:ext uri="{FF2B5EF4-FFF2-40B4-BE49-F238E27FC236}">
-                <a16:creationId xmlns:a16="http://schemas.microsoft.com/office/drawing/2014/main" id="{D699ADA7-7D91-125B-60C0-A8958EB0DE2F}"/>
+                <a16:creationId xmlns:a16="http://schemas.microsoft.com/office/drawing/2014/main" id="{AF66AFC5-F583-D6AA-1F51-D03FEE6856F7}"/>
               </a:ext>
             </a:extLst>
           </p:cNvPr>
@@ -2373,7 +2373,7 @@
           <a:bodyPr/>
           <a:lstStyle/>
           <a:p>
-            <a:fld id="{13999D74-9059-4CE0-BFB8-D7486B62A479}" type="datetimeFigureOut">
+            <a:fld id="{CF86BD2A-5CFA-494A-8C5E-89E0A6475668}" type="datetimeFigureOut">
               <a:rPr lang="zh-CN" altLang="en-US" smtClean="0"/>
               <a:t>2024/3/10</a:t>
             </a:fld>
@@ -2386,7 +2386,7 @@
           <p:cNvPr id="6" name="页脚占位符 5">
             <a:extLst>
               <a:ext uri="{FF2B5EF4-FFF2-40B4-BE49-F238E27FC236}">
-                <a16:creationId xmlns:a16="http://schemas.microsoft.com/office/drawing/2014/main" id="{9D49EAAB-F2F5-4A85-DD79-54EF66912F7D}"/>
+                <a16:creationId xmlns:a16="http://schemas.microsoft.com/office/drawing/2014/main" id="{103461EA-B499-D598-E21C-3D89BBD35803}"/>
               </a:ext>
             </a:extLst>
           </p:cNvPr>
@@ -2411,7 +2411,7 @@
           <p:cNvPr id="7" name="灯片编号占位符 6">
             <a:extLst>
               <a:ext uri="{FF2B5EF4-FFF2-40B4-BE49-F238E27FC236}">
-                <a16:creationId xmlns:a16="http://schemas.microsoft.com/office/drawing/2014/main" id="{BD0BB49D-CF4A-EFF5-651C-1225258DD723}"/>
+                <a16:creationId xmlns:a16="http://schemas.microsoft.com/office/drawing/2014/main" id="{2D995E9F-7D3B-300B-BC91-CF522C8F20D1}"/>
               </a:ext>
             </a:extLst>
           </p:cNvPr>
@@ -2427,7 +2427,7 @@
           <a:bodyPr/>
           <a:lstStyle/>
           <a:p>
-            <a:fld id="{2B67071B-1D65-402C-84F5-7F41F6E2DB62}" type="slidenum">
+            <a:fld id="{56AB19F7-729E-4295-923E-C2E42FDC30E8}" type="slidenum">
               <a:rPr lang="zh-CN" altLang="en-US" smtClean="0"/>
               <a:t>‹#›</a:t>
             </a:fld>
@@ -2438,7 +2438,7 @@
     </p:spTree>
     <p:extLst>
       <p:ext uri="{BB962C8B-B14F-4D97-AF65-F5344CB8AC3E}">
-        <p14:creationId xmlns:p14="http://schemas.microsoft.com/office/powerpoint/2010/main" val="2479150466"/>
+        <p14:creationId xmlns:p14="http://schemas.microsoft.com/office/powerpoint/2010/main" val="1790849739"/>
       </p:ext>
     </p:extLst>
   </p:cSld>
@@ -2470,7 +2470,7 @@
           <p:cNvPr id="2" name="标题 1">
             <a:extLst>
               <a:ext uri="{FF2B5EF4-FFF2-40B4-BE49-F238E27FC236}">
-                <a16:creationId xmlns:a16="http://schemas.microsoft.com/office/drawing/2014/main" id="{A30D065F-2410-AB87-A25E-9779B1D804D9}"/>
+                <a16:creationId xmlns:a16="http://schemas.microsoft.com/office/drawing/2014/main" id="{58FE88B7-A454-E23E-B824-4CD654D0131A}"/>
               </a:ext>
             </a:extLst>
           </p:cNvPr>
@@ -2507,7 +2507,7 @@
           <p:cNvPr id="3" name="图片占位符 2">
             <a:extLst>
               <a:ext uri="{FF2B5EF4-FFF2-40B4-BE49-F238E27FC236}">
-                <a16:creationId xmlns:a16="http://schemas.microsoft.com/office/drawing/2014/main" id="{8CE85CE2-3128-61E4-FE61-5713996DCCD0}"/>
+                <a16:creationId xmlns:a16="http://schemas.microsoft.com/office/drawing/2014/main" id="{FB41D7A8-E7AF-27C1-6584-6B65A52EE5BA}"/>
               </a:ext>
             </a:extLst>
           </p:cNvPr>
@@ -2574,7 +2574,7 @@
           <p:cNvPr id="4" name="文本占位符 3">
             <a:extLst>
               <a:ext uri="{FF2B5EF4-FFF2-40B4-BE49-F238E27FC236}">
-                <a16:creationId xmlns:a16="http://schemas.microsoft.com/office/drawing/2014/main" id="{345DE649-B93C-C6A0-85CC-A28615F9BF59}"/>
+                <a16:creationId xmlns:a16="http://schemas.microsoft.com/office/drawing/2014/main" id="{6F384D7A-2CE5-D555-2283-AF1786158E23}"/>
               </a:ext>
             </a:extLst>
           </p:cNvPr>
@@ -2645,7 +2645,7 @@
           <p:cNvPr id="5" name="日期占位符 4">
             <a:extLst>
               <a:ext uri="{FF2B5EF4-FFF2-40B4-BE49-F238E27FC236}">
-                <a16:creationId xmlns:a16="http://schemas.microsoft.com/office/drawing/2014/main" id="{55998240-DA90-5EFB-18B2-1A219352FF4B}"/>
+                <a16:creationId xmlns:a16="http://schemas.microsoft.com/office/drawing/2014/main" id="{9F9A45FF-BA20-C494-E696-84E99864C505}"/>
               </a:ext>
             </a:extLst>
           </p:cNvPr>
@@ -2661,7 +2661,7 @@
           <a:bodyPr/>
           <a:lstStyle/>
           <a:p>
-            <a:fld id="{13999D74-9059-4CE0-BFB8-D7486B62A479}" type="datetimeFigureOut">
+            <a:fld id="{CF86BD2A-5CFA-494A-8C5E-89E0A6475668}" type="datetimeFigureOut">
               <a:rPr lang="zh-CN" altLang="en-US" smtClean="0"/>
               <a:t>2024/3/10</a:t>
             </a:fld>
@@ -2674,7 +2674,7 @@
           <p:cNvPr id="6" name="页脚占位符 5">
             <a:extLst>
               <a:ext uri="{FF2B5EF4-FFF2-40B4-BE49-F238E27FC236}">
-                <a16:creationId xmlns:a16="http://schemas.microsoft.com/office/drawing/2014/main" id="{D2D13A3C-BBB7-D825-5BC8-1B2BF8C581E1}"/>
+                <a16:creationId xmlns:a16="http://schemas.microsoft.com/office/drawing/2014/main" id="{56E9A340-157E-C1BB-BEAF-1163FA73DCE3}"/>
               </a:ext>
             </a:extLst>
           </p:cNvPr>
@@ -2699,7 +2699,7 @@
           <p:cNvPr id="7" name="灯片编号占位符 6">
             <a:extLst>
               <a:ext uri="{FF2B5EF4-FFF2-40B4-BE49-F238E27FC236}">
-                <a16:creationId xmlns:a16="http://schemas.microsoft.com/office/drawing/2014/main" id="{DF0BC3BE-5FD6-12A6-CB44-138D8BED39B8}"/>
+                <a16:creationId xmlns:a16="http://schemas.microsoft.com/office/drawing/2014/main" id="{3C8F6DC9-933D-C727-A08D-CB38982EAB96}"/>
               </a:ext>
             </a:extLst>
           </p:cNvPr>
@@ -2715,7 +2715,7 @@
           <a:bodyPr/>
           <a:lstStyle/>
           <a:p>
-            <a:fld id="{2B67071B-1D65-402C-84F5-7F41F6E2DB62}" type="slidenum">
+            <a:fld id="{56AB19F7-729E-4295-923E-C2E42FDC30E8}" type="slidenum">
               <a:rPr lang="zh-CN" altLang="en-US" smtClean="0"/>
               <a:t>‹#›</a:t>
             </a:fld>
@@ -2726,7 +2726,7 @@
     </p:spTree>
     <p:extLst>
       <p:ext uri="{BB962C8B-B14F-4D97-AF65-F5344CB8AC3E}">
-        <p14:creationId xmlns:p14="http://schemas.microsoft.com/office/powerpoint/2010/main" val="2662465674"/>
+        <p14:creationId xmlns:p14="http://schemas.microsoft.com/office/powerpoint/2010/main" val="3231377878"/>
       </p:ext>
     </p:extLst>
   </p:cSld>
@@ -2763,7 +2763,7 @@
           <p:cNvPr id="2" name="标题占位符 1">
             <a:extLst>
               <a:ext uri="{FF2B5EF4-FFF2-40B4-BE49-F238E27FC236}">
-                <a16:creationId xmlns:a16="http://schemas.microsoft.com/office/drawing/2014/main" id="{B8EFAE4E-1B6C-5173-49F6-B0F11725FDF4}"/>
+                <a16:creationId xmlns:a16="http://schemas.microsoft.com/office/drawing/2014/main" id="{338933C5-54E0-9E2A-A88E-DC2BC409DCAF}"/>
               </a:ext>
             </a:extLst>
           </p:cNvPr>
@@ -2801,7 +2801,7 @@
           <p:cNvPr id="3" name="文本占位符 2">
             <a:extLst>
               <a:ext uri="{FF2B5EF4-FFF2-40B4-BE49-F238E27FC236}">
-                <a16:creationId xmlns:a16="http://schemas.microsoft.com/office/drawing/2014/main" id="{501425EC-49F9-0739-D328-204E63334DC5}"/>
+                <a16:creationId xmlns:a16="http://schemas.microsoft.com/office/drawing/2014/main" id="{1EED3E56-ACD2-BE05-7327-E7EF852F5A66}"/>
               </a:ext>
             </a:extLst>
           </p:cNvPr>
@@ -2868,7 +2868,7 @@
           <p:cNvPr id="4" name="日期占位符 3">
             <a:extLst>
               <a:ext uri="{FF2B5EF4-FFF2-40B4-BE49-F238E27FC236}">
-                <a16:creationId xmlns:a16="http://schemas.microsoft.com/office/drawing/2014/main" id="{3F275376-38AB-20BC-F243-2005BE0A12EC}"/>
+                <a16:creationId xmlns:a16="http://schemas.microsoft.com/office/drawing/2014/main" id="{A5202BDB-C5A9-0BA1-03D5-1D0BD0E92937}"/>
               </a:ext>
             </a:extLst>
           </p:cNvPr>
@@ -2902,7 +2902,7 @@
             </a:lvl1pPr>
           </a:lstStyle>
           <a:p>
-            <a:fld id="{13999D74-9059-4CE0-BFB8-D7486B62A479}" type="datetimeFigureOut">
+            <a:fld id="{CF86BD2A-5CFA-494A-8C5E-89E0A6475668}" type="datetimeFigureOut">
               <a:rPr lang="zh-CN" altLang="en-US" smtClean="0"/>
               <a:t>2024/3/10</a:t>
             </a:fld>
@@ -2915,7 +2915,7 @@
           <p:cNvPr id="5" name="页脚占位符 4">
             <a:extLst>
               <a:ext uri="{FF2B5EF4-FFF2-40B4-BE49-F238E27FC236}">
-                <a16:creationId xmlns:a16="http://schemas.microsoft.com/office/drawing/2014/main" id="{ACB73AA0-1896-4774-118F-195821574EBF}"/>
+                <a16:creationId xmlns:a16="http://schemas.microsoft.com/office/drawing/2014/main" id="{CA4B9491-771A-93B8-A6CE-34EA37E7BDCC}"/>
               </a:ext>
             </a:extLst>
           </p:cNvPr>
@@ -2958,7 +2958,7 @@
           <p:cNvPr id="6" name="灯片编号占位符 5">
             <a:extLst>
               <a:ext uri="{FF2B5EF4-FFF2-40B4-BE49-F238E27FC236}">
-                <a16:creationId xmlns:a16="http://schemas.microsoft.com/office/drawing/2014/main" id="{CEC69C4A-F52C-64A4-E155-1114433B8C29}"/>
+                <a16:creationId xmlns:a16="http://schemas.microsoft.com/office/drawing/2014/main" id="{06B4D6A4-BB2C-CE41-4052-CFAE09C10553}"/>
               </a:ext>
             </a:extLst>
           </p:cNvPr>
@@ -2992,7 +2992,7 @@
             </a:lvl1pPr>
           </a:lstStyle>
           <a:p>
-            <a:fld id="{2B67071B-1D65-402C-84F5-7F41F6E2DB62}" type="slidenum">
+            <a:fld id="{56AB19F7-729E-4295-923E-C2E42FDC30E8}" type="slidenum">
               <a:rPr lang="zh-CN" altLang="en-US" smtClean="0"/>
               <a:t>‹#›</a:t>
             </a:fld>
@@ -3003,7 +3003,7 @@
     </p:spTree>
     <p:extLst>
       <p:ext uri="{BB962C8B-B14F-4D97-AF65-F5344CB8AC3E}">
-        <p14:creationId xmlns:p14="http://schemas.microsoft.com/office/powerpoint/2010/main" val="967603191"/>
+        <p14:creationId xmlns:p14="http://schemas.microsoft.com/office/powerpoint/2010/main" val="2682387853"/>
       </p:ext>
     </p:extLst>
   </p:cSld>
@@ -3323,7 +3323,7 @@
       </p:grpSpPr>
       <p:pic>
         <p:nvPicPr>
-          <p:cNvPr id="385026" name="Picture 2" descr="375"/>
+          <p:cNvPr id="386050" name="Picture 2" descr="376"/>
           <p:cNvPicPr>
             <a:picLocks noChangeAspect="1" noChangeArrowheads="1"/>
           </p:cNvPicPr>
@@ -3375,11 +3375,158 @@
           </a:extLst>
         </p:spPr>
       </p:pic>
+      <p:pic>
+        <p:nvPicPr>
+          <p:cNvPr id="387075" name="Picture 3" descr="376-2"/>
+          <p:cNvPicPr>
+            <a:picLocks noChangeAspect="1" noChangeArrowheads="1"/>
+          </p:cNvPicPr>
+          <p:nvPr/>
+        </p:nvPicPr>
+        <p:blipFill>
+          <a:blip r:embed="rId3">
+            <a:extLst>
+              <a:ext uri="{28A0092B-C50C-407E-A947-70E740481C1C}">
+                <a14:useLocalDpi xmlns:a14="http://schemas.microsoft.com/office/drawing/2010/main" val="0"/>
+              </a:ext>
+            </a:extLst>
+          </a:blip>
+          <a:srcRect/>
+          <a:stretch>
+            <a:fillRect/>
+          </a:stretch>
+        </p:blipFill>
+        <p:spPr bwMode="auto">
+          <a:xfrm>
+            <a:off x="1524000" y="0"/>
+            <a:ext cx="9144000" cy="6858000"/>
+          </a:xfrm>
+          <a:prstGeom prst="rect">
+            <a:avLst/>
+          </a:prstGeom>
+          <a:noFill/>
+          <a:ln>
+            <a:noFill/>
+          </a:ln>
+          <a:effectLst/>
+          <a:extLst>
+            <a:ext uri="{909E8E84-426E-40DD-AFC4-6F175D3DCCD1}">
+              <a14:hiddenFill xmlns:a14="http://schemas.microsoft.com/office/drawing/2010/main">
+                <a:solidFill>
+                  <a:srgbClr val="FFFFFF"/>
+                </a:solidFill>
+              </a14:hiddenFill>
+            </a:ext>
+            <a:ext uri="{91240B29-F687-4F45-9708-019B960494DF}">
+              <a14:hiddenLine xmlns:a14="http://schemas.microsoft.com/office/drawing/2010/main" w="9525">
+                <a:solidFill>
+                  <a:srgbClr val="000000"/>
+                </a:solidFill>
+                <a:miter lim="800000"/>
+                <a:headEnd/>
+                <a:tailEnd/>
+              </a14:hiddenLine>
+            </a:ext>
+            <a:ext uri="{AF507438-7753-43E0-B8FC-AC1667EBCBE1}">
+              <a14:hiddenEffects xmlns:a14="http://schemas.microsoft.com/office/drawing/2010/main">
+                <a:effectLst>
+                  <a:outerShdw dist="35921" dir="2700000" algn="ctr" rotWithShape="0">
+                    <a:srgbClr val="808080"/>
+                  </a:outerShdw>
+                </a:effectLst>
+              </a14:hiddenEffects>
+            </a:ext>
+          </a:extLst>
+        </p:spPr>
+      </p:pic>
     </p:spTree>
   </p:cSld>
   <p:clrMapOvr>
     <a:masterClrMapping/>
   </p:clrMapOvr>
+  <p:timing>
+    <p:tnLst>
+      <p:par>
+        <p:cTn id="1" dur="indefinite" restart="never" nodeType="tmRoot">
+          <p:childTnLst>
+            <p:seq concurrent="1" nextAc="seek">
+              <p:cTn id="2" dur="indefinite" nodeType="mainSeq">
+                <p:childTnLst>
+                  <p:par>
+                    <p:cTn id="3" fill="hold" nodeType="clickPar">
+                      <p:stCondLst>
+                        <p:cond delay="indefinite"/>
+                      </p:stCondLst>
+                      <p:childTnLst>
+                        <p:par>
+                          <p:cTn id="4" fill="hold" nodeType="withGroup">
+                            <p:stCondLst>
+                              <p:cond delay="0"/>
+                            </p:stCondLst>
+                            <p:childTnLst>
+                              <p:par>
+                                <p:cTn id="5" presetID="10" presetClass="entr" presetSubtype="0" fill="hold" nodeType="clickEffect">
+                                  <p:stCondLst>
+                                    <p:cond delay="0"/>
+                                  </p:stCondLst>
+                                  <p:childTnLst>
+                                    <p:set>
+                                      <p:cBhvr>
+                                        <p:cTn id="6" dur="1" fill="hold">
+                                          <p:stCondLst>
+                                            <p:cond delay="0"/>
+                                          </p:stCondLst>
+                                        </p:cTn>
+                                        <p:tgtEl>
+                                          <p:spTgt spid="387075"/>
+                                        </p:tgtEl>
+                                        <p:attrNameLst>
+                                          <p:attrName>style.visibility</p:attrName>
+                                        </p:attrNameLst>
+                                      </p:cBhvr>
+                                      <p:to>
+                                        <p:strVal val="visible"/>
+                                      </p:to>
+                                    </p:set>
+                                    <p:animEffect transition="in" filter="fade">
+                                      <p:cBhvr>
+                                        <p:cTn id="7" dur="500"/>
+                                        <p:tgtEl>
+                                          <p:spTgt spid="387075"/>
+                                        </p:tgtEl>
+                                      </p:cBhvr>
+                                    </p:animEffect>
+                                  </p:childTnLst>
+                                </p:cTn>
+                              </p:par>
+                            </p:childTnLst>
+                          </p:cTn>
+                        </p:par>
+                      </p:childTnLst>
+                    </p:cTn>
+                  </p:par>
+                </p:childTnLst>
+              </p:cTn>
+              <p:prevCondLst>
+                <p:cond evt="onPrev" delay="0">
+                  <p:tgtEl>
+                    <p:sldTgt/>
+                  </p:tgtEl>
+                </p:cond>
+              </p:prevCondLst>
+              <p:nextCondLst>
+                <p:cond evt="onNext" delay="0">
+                  <p:tgtEl>
+                    <p:sldTgt/>
+                  </p:tgtEl>
+                </p:cond>
+              </p:nextCondLst>
+            </p:seq>
+          </p:childTnLst>
+        </p:cTn>
+      </p:par>
+    </p:tnLst>
+  </p:timing>
 </p:sld>
 </file>
 
